--- a/Apresentações/Palestra I - Tópicos Avançados em Git.pptx
+++ b/Apresentações/Palestra I - Tópicos Avançados em Git.pptx
@@ -197,7 +197,7 @@
           <a:noFill/>
           <a:extLst>
             <a:ext uri="{909E8E84-426E-40dd-AFC4-6F175D3DCCD1}">
-              <a14:hiddenFill xmlns="" xmlns:a14="http://schemas.microsoft.com/office/drawing/2010/main">
+              <a14:hiddenFill xmlns:a14="http://schemas.microsoft.com/office/drawing/2010/main" xmlns="">
                 <a:solidFill>
                   <a:srgbClr val="FFFFFF"/>
                 </a:solidFill>
@@ -256,7 +256,7 @@
             </a:ln>
             <a:extLst>
               <a:ext uri="{91240B29-F687-4f45-9708-019B960494DF}">
-                <a14:hiddenLine xmlns="" xmlns:a14="http://schemas.microsoft.com/office/drawing/2010/main" w="9525">
+                <a14:hiddenLine xmlns:a14="http://schemas.microsoft.com/office/drawing/2010/main" xmlns="" w="9525">
                   <a:solidFill>
                     <a:srgbClr val="000000"/>
                   </a:solidFill>
@@ -346,7 +346,7 @@
             </a:ln>
             <a:extLst>
               <a:ext uri="{91240B29-F687-4f45-9708-019B960494DF}">
-                <a14:hiddenLine xmlns="" xmlns:a14="http://schemas.microsoft.com/office/drawing/2010/main" w="9525">
+                <a14:hiddenLine xmlns:a14="http://schemas.microsoft.com/office/drawing/2010/main" xmlns="" w="9525">
                   <a:solidFill>
                     <a:srgbClr val="000000"/>
                   </a:solidFill>
@@ -436,7 +436,7 @@
             </a:ln>
             <a:extLst>
               <a:ext uri="{91240B29-F687-4f45-9708-019B960494DF}">
-                <a14:hiddenLine xmlns="" xmlns:a14="http://schemas.microsoft.com/office/drawing/2010/main" w="9525">
+                <a14:hiddenLine xmlns:a14="http://schemas.microsoft.com/office/drawing/2010/main" xmlns="" w="9525">
                   <a:solidFill>
                     <a:srgbClr val="000000"/>
                   </a:solidFill>
@@ -470,7 +470,7 @@
             </a:ln>
             <a:extLst>
               <a:ext uri="{91240B29-F687-4f45-9708-019B960494DF}">
-                <a14:hiddenLine xmlns="" xmlns:a14="http://schemas.microsoft.com/office/drawing/2010/main" w="9525">
+                <a14:hiddenLine xmlns:a14="http://schemas.microsoft.com/office/drawing/2010/main" xmlns="" w="9525">
                   <a:solidFill>
                     <a:srgbClr val="000000"/>
                   </a:solidFill>
@@ -560,7 +560,7 @@
             </a:ln>
             <a:extLst>
               <a:ext uri="{91240B29-F687-4f45-9708-019B960494DF}">
-                <a14:hiddenLine xmlns="" xmlns:a14="http://schemas.microsoft.com/office/drawing/2010/main" w="9525">
+                <a14:hiddenLine xmlns:a14="http://schemas.microsoft.com/office/drawing/2010/main" xmlns="" w="9525">
                   <a:solidFill>
                     <a:srgbClr val="000000"/>
                   </a:solidFill>
@@ -622,7 +622,7 @@
             </a:ln>
             <a:extLst>
               <a:ext uri="{91240B29-F687-4f45-9708-019B960494DF}">
-                <a14:hiddenLine xmlns="" xmlns:a14="http://schemas.microsoft.com/office/drawing/2010/main" w="9525">
+                <a14:hiddenLine xmlns:a14="http://schemas.microsoft.com/office/drawing/2010/main" xmlns="" w="9525">
                   <a:solidFill>
                     <a:srgbClr val="000000"/>
                   </a:solidFill>
@@ -684,7 +684,7 @@
             </a:ln>
             <a:extLst>
               <a:ext uri="{91240B29-F687-4f45-9708-019B960494DF}">
-                <a14:hiddenLine xmlns="" xmlns:a14="http://schemas.microsoft.com/office/drawing/2010/main" w="9525">
+                <a14:hiddenLine xmlns:a14="http://schemas.microsoft.com/office/drawing/2010/main" xmlns="" w="9525">
                   <a:solidFill>
                     <a:srgbClr val="000000"/>
                   </a:solidFill>
@@ -774,7 +774,7 @@
             </a:ln>
             <a:extLst>
               <a:ext uri="{91240B29-F687-4f45-9708-019B960494DF}">
-                <a14:hiddenLine xmlns="" xmlns:a14="http://schemas.microsoft.com/office/drawing/2010/main" w="9525">
+                <a14:hiddenLine xmlns:a14="http://schemas.microsoft.com/office/drawing/2010/main" xmlns="" w="9525">
                   <a:solidFill>
                     <a:srgbClr val="000000"/>
                   </a:solidFill>
@@ -836,7 +836,7 @@
             </a:ln>
             <a:extLst>
               <a:ext uri="{91240B29-F687-4f45-9708-019B960494DF}">
-                <a14:hiddenLine xmlns="" xmlns:a14="http://schemas.microsoft.com/office/drawing/2010/main" w="9525">
+                <a14:hiddenLine xmlns:a14="http://schemas.microsoft.com/office/drawing/2010/main" xmlns="" w="9525">
                   <a:solidFill>
                     <a:srgbClr val="000000"/>
                   </a:solidFill>
@@ -898,7 +898,7 @@
             </a:ln>
             <a:extLst>
               <a:ext uri="{91240B29-F687-4f45-9708-019B960494DF}">
-                <a14:hiddenLine xmlns="" xmlns:a14="http://schemas.microsoft.com/office/drawing/2010/main" w="9525">
+                <a14:hiddenLine xmlns:a14="http://schemas.microsoft.com/office/drawing/2010/main" xmlns="" w="9525">
                   <a:solidFill>
                     <a:srgbClr val="000000"/>
                   </a:solidFill>
@@ -988,7 +988,7 @@
             </a:ln>
             <a:extLst>
               <a:ext uri="{91240B29-F687-4f45-9708-019B960494DF}">
-                <a14:hiddenLine xmlns="" xmlns:a14="http://schemas.microsoft.com/office/drawing/2010/main" w="9525">
+                <a14:hiddenLine xmlns:a14="http://schemas.microsoft.com/office/drawing/2010/main" xmlns="" w="9525">
                   <a:solidFill>
                     <a:srgbClr val="000000"/>
                   </a:solidFill>
@@ -1078,7 +1078,7 @@
             </a:ln>
             <a:extLst>
               <a:ext uri="{91240B29-F687-4f45-9708-019B960494DF}">
-                <a14:hiddenLine xmlns="" xmlns:a14="http://schemas.microsoft.com/office/drawing/2010/main" w="9525">
+                <a14:hiddenLine xmlns:a14="http://schemas.microsoft.com/office/drawing/2010/main" xmlns="" w="9525">
                   <a:solidFill>
                     <a:srgbClr val="000000"/>
                   </a:solidFill>
@@ -1140,7 +1140,7 @@
             </a:ln>
             <a:extLst>
               <a:ext uri="{91240B29-F687-4f45-9708-019B960494DF}">
-                <a14:hiddenLine xmlns="" xmlns:a14="http://schemas.microsoft.com/office/drawing/2010/main" w="9525">
+                <a14:hiddenLine xmlns:a14="http://schemas.microsoft.com/office/drawing/2010/main" xmlns="" w="9525">
                   <a:solidFill>
                     <a:srgbClr val="000000"/>
                   </a:solidFill>
@@ -1250,7 +1250,7 @@
             </a:ln>
             <a:extLst>
               <a:ext uri="{91240B29-F687-4f45-9708-019B960494DF}">
-                <a14:hiddenLine xmlns="" xmlns:a14="http://schemas.microsoft.com/office/drawing/2010/main" w="9525">
+                <a14:hiddenLine xmlns:a14="http://schemas.microsoft.com/office/drawing/2010/main" xmlns="" w="9525">
                   <a:solidFill>
                     <a:srgbClr val="000000"/>
                   </a:solidFill>
@@ -1312,7 +1312,7 @@
             </a:ln>
             <a:extLst>
               <a:ext uri="{91240B29-F687-4f45-9708-019B960494DF}">
-                <a14:hiddenLine xmlns="" xmlns:a14="http://schemas.microsoft.com/office/drawing/2010/main" w="9525">
+                <a14:hiddenLine xmlns:a14="http://schemas.microsoft.com/office/drawing/2010/main" xmlns="" w="9525">
                   <a:solidFill>
                     <a:srgbClr val="000000"/>
                   </a:solidFill>
@@ -1402,7 +1402,7 @@
             </a:ln>
             <a:extLst>
               <a:ext uri="{91240B29-F687-4f45-9708-019B960494DF}">
-                <a14:hiddenLine xmlns="" xmlns:a14="http://schemas.microsoft.com/office/drawing/2010/main" w="9525">
+                <a14:hiddenLine xmlns:a14="http://schemas.microsoft.com/office/drawing/2010/main" xmlns="" w="9525">
                   <a:solidFill>
                     <a:srgbClr val="000000"/>
                   </a:solidFill>
@@ -1492,7 +1492,7 @@
             </a:ln>
             <a:extLst>
               <a:ext uri="{91240B29-F687-4f45-9708-019B960494DF}">
-                <a14:hiddenLine xmlns="" xmlns:a14="http://schemas.microsoft.com/office/drawing/2010/main" w="9525">
+                <a14:hiddenLine xmlns:a14="http://schemas.microsoft.com/office/drawing/2010/main" xmlns="" w="9525">
                   <a:solidFill>
                     <a:srgbClr val="000000"/>
                   </a:solidFill>
@@ -1554,7 +1554,7 @@
             </a:ln>
             <a:extLst>
               <a:ext uri="{91240B29-F687-4f45-9708-019B960494DF}">
-                <a14:hiddenLine xmlns="" xmlns:a14="http://schemas.microsoft.com/office/drawing/2010/main" w="9525">
+                <a14:hiddenLine xmlns:a14="http://schemas.microsoft.com/office/drawing/2010/main" xmlns="" w="9525">
                   <a:solidFill>
                     <a:srgbClr val="000000"/>
                   </a:solidFill>
@@ -1644,7 +1644,7 @@
             </a:ln>
             <a:extLst>
               <a:ext uri="{91240B29-F687-4f45-9708-019B960494DF}">
-                <a14:hiddenLine xmlns="" xmlns:a14="http://schemas.microsoft.com/office/drawing/2010/main" w="9525">
+                <a14:hiddenLine xmlns:a14="http://schemas.microsoft.com/office/drawing/2010/main" xmlns="" w="9525">
                   <a:solidFill>
                     <a:srgbClr val="000000"/>
                   </a:solidFill>
@@ -1734,7 +1734,7 @@
             </a:ln>
             <a:extLst>
               <a:ext uri="{91240B29-F687-4f45-9708-019B960494DF}">
-                <a14:hiddenLine xmlns="" xmlns:a14="http://schemas.microsoft.com/office/drawing/2010/main" w="9525">
+                <a14:hiddenLine xmlns:a14="http://schemas.microsoft.com/office/drawing/2010/main" xmlns="" w="9525">
                   <a:solidFill>
                     <a:srgbClr val="000000"/>
                   </a:solidFill>
@@ -1790,7 +1790,7 @@
             </a:ln>
             <a:extLst>
               <a:ext uri="{91240B29-F687-4f45-9708-019B960494DF}">
-                <a14:hiddenLine xmlns="" xmlns:a14="http://schemas.microsoft.com/office/drawing/2010/main" w="9525">
+                <a14:hiddenLine xmlns:a14="http://schemas.microsoft.com/office/drawing/2010/main" xmlns="" w="9525">
                   <a:solidFill>
                     <a:srgbClr val="000000"/>
                   </a:solidFill>
@@ -1880,7 +1880,7 @@
             </a:ln>
             <a:extLst>
               <a:ext uri="{91240B29-F687-4f45-9708-019B960494DF}">
-                <a14:hiddenLine xmlns="" xmlns:a14="http://schemas.microsoft.com/office/drawing/2010/main" w="9525">
+                <a14:hiddenLine xmlns:a14="http://schemas.microsoft.com/office/drawing/2010/main" xmlns="" w="9525">
                   <a:solidFill>
                     <a:srgbClr val="000000"/>
                   </a:solidFill>
@@ -1936,7 +1936,7 @@
             </a:ln>
             <a:extLst>
               <a:ext uri="{91240B29-F687-4f45-9708-019B960494DF}">
-                <a14:hiddenLine xmlns="" xmlns:a14="http://schemas.microsoft.com/office/drawing/2010/main" w="9525">
+                <a14:hiddenLine xmlns:a14="http://schemas.microsoft.com/office/drawing/2010/main" xmlns="" w="9525">
                   <a:solidFill>
                     <a:srgbClr val="000000"/>
                   </a:solidFill>
@@ -2026,7 +2026,7 @@
             </a:ln>
             <a:extLst>
               <a:ext uri="{91240B29-F687-4f45-9708-019B960494DF}">
-                <a14:hiddenLine xmlns="" xmlns:a14="http://schemas.microsoft.com/office/drawing/2010/main" w="9525">
+                <a14:hiddenLine xmlns:a14="http://schemas.microsoft.com/office/drawing/2010/main" xmlns="" w="9525">
                   <a:solidFill>
                     <a:srgbClr val="000000"/>
                   </a:solidFill>
@@ -2094,7 +2094,7 @@
             </a:ln>
             <a:extLst>
               <a:ext uri="{91240B29-F687-4f45-9708-019B960494DF}">
-                <a14:hiddenLine xmlns="" xmlns:a14="http://schemas.microsoft.com/office/drawing/2010/main" w="9525">
+                <a14:hiddenLine xmlns:a14="http://schemas.microsoft.com/office/drawing/2010/main" xmlns="" w="9525">
                   <a:solidFill>
                     <a:srgbClr val="000000"/>
                   </a:solidFill>
@@ -2184,7 +2184,7 @@
             </a:ln>
             <a:extLst>
               <a:ext uri="{91240B29-F687-4f45-9708-019B960494DF}">
-                <a14:hiddenLine xmlns="" xmlns:a14="http://schemas.microsoft.com/office/drawing/2010/main" w="9525">
+                <a14:hiddenLine xmlns:a14="http://schemas.microsoft.com/office/drawing/2010/main" xmlns="" w="9525">
                   <a:solidFill>
                     <a:srgbClr val="000000"/>
                   </a:solidFill>
@@ -2252,7 +2252,7 @@
             </a:ln>
             <a:extLst>
               <a:ext uri="{91240B29-F687-4f45-9708-019B960494DF}">
-                <a14:hiddenLine xmlns="" xmlns:a14="http://schemas.microsoft.com/office/drawing/2010/main" w="9525">
+                <a14:hiddenLine xmlns:a14="http://schemas.microsoft.com/office/drawing/2010/main" xmlns="" w="9525">
                   <a:solidFill>
                     <a:srgbClr val="000000"/>
                   </a:solidFill>
@@ -2342,7 +2342,7 @@
             </a:ln>
             <a:extLst>
               <a:ext uri="{91240B29-F687-4f45-9708-019B960494DF}">
-                <a14:hiddenLine xmlns="" xmlns:a14="http://schemas.microsoft.com/office/drawing/2010/main" w="9525">
+                <a14:hiddenLine xmlns:a14="http://schemas.microsoft.com/office/drawing/2010/main" xmlns="" w="9525">
                   <a:solidFill>
                     <a:srgbClr val="000000"/>
                   </a:solidFill>
@@ -2376,7 +2376,7 @@
             </a:ln>
             <a:extLst>
               <a:ext uri="{91240B29-F687-4f45-9708-019B960494DF}">
-                <a14:hiddenLine xmlns="" xmlns:a14="http://schemas.microsoft.com/office/drawing/2010/main" w="9525">
+                <a14:hiddenLine xmlns:a14="http://schemas.microsoft.com/office/drawing/2010/main" xmlns="" w="9525">
                   <a:solidFill>
                     <a:srgbClr val="000000"/>
                   </a:solidFill>
@@ -2466,7 +2466,7 @@
             </a:ln>
             <a:extLst>
               <a:ext uri="{91240B29-F687-4f45-9708-019B960494DF}">
-                <a14:hiddenLine xmlns="" xmlns:a14="http://schemas.microsoft.com/office/drawing/2010/main" w="9525">
+                <a14:hiddenLine xmlns:a14="http://schemas.microsoft.com/office/drawing/2010/main" xmlns="" w="9525">
                   <a:solidFill>
                     <a:srgbClr val="000000"/>
                   </a:solidFill>
@@ -2528,7 +2528,7 @@
             </a:ln>
             <a:extLst>
               <a:ext uri="{91240B29-F687-4f45-9708-019B960494DF}">
-                <a14:hiddenLine xmlns="" xmlns:a14="http://schemas.microsoft.com/office/drawing/2010/main" w="9525">
+                <a14:hiddenLine xmlns:a14="http://schemas.microsoft.com/office/drawing/2010/main" xmlns="" w="9525">
                   <a:solidFill>
                     <a:srgbClr val="000000"/>
                   </a:solidFill>
@@ -2590,7 +2590,7 @@
             </a:ln>
             <a:extLst>
               <a:ext uri="{91240B29-F687-4f45-9708-019B960494DF}">
-                <a14:hiddenLine xmlns="" xmlns:a14="http://schemas.microsoft.com/office/drawing/2010/main" w="9525">
+                <a14:hiddenLine xmlns:a14="http://schemas.microsoft.com/office/drawing/2010/main" xmlns="" w="9525">
                   <a:solidFill>
                     <a:srgbClr val="000000"/>
                   </a:solidFill>
@@ -2680,7 +2680,7 @@
             </a:ln>
             <a:extLst>
               <a:ext uri="{91240B29-F687-4f45-9708-019B960494DF}">
-                <a14:hiddenLine xmlns="" xmlns:a14="http://schemas.microsoft.com/office/drawing/2010/main" w="9525">
+                <a14:hiddenLine xmlns:a14="http://schemas.microsoft.com/office/drawing/2010/main" xmlns="" w="9525">
                   <a:solidFill>
                     <a:srgbClr val="000000"/>
                   </a:solidFill>
@@ -2748,7 +2748,7 @@
             </a:ln>
             <a:extLst>
               <a:ext uri="{91240B29-F687-4f45-9708-019B960494DF}">
-                <a14:hiddenLine xmlns="" xmlns:a14="http://schemas.microsoft.com/office/drawing/2010/main" w="9525">
+                <a14:hiddenLine xmlns:a14="http://schemas.microsoft.com/office/drawing/2010/main" xmlns="" w="9525">
                   <a:solidFill>
                     <a:srgbClr val="000000"/>
                   </a:solidFill>
@@ -2810,7 +2810,7 @@
             </a:ln>
             <a:extLst>
               <a:ext uri="{91240B29-F687-4f45-9708-019B960494DF}">
-                <a14:hiddenLine xmlns="" xmlns:a14="http://schemas.microsoft.com/office/drawing/2010/main" w="9525">
+                <a14:hiddenLine xmlns:a14="http://schemas.microsoft.com/office/drawing/2010/main" xmlns="" w="9525">
                   <a:solidFill>
                     <a:srgbClr val="000000"/>
                   </a:solidFill>
@@ -2900,7 +2900,7 @@
             </a:ln>
             <a:extLst>
               <a:ext uri="{91240B29-F687-4f45-9708-019B960494DF}">
-                <a14:hiddenLine xmlns="" xmlns:a14="http://schemas.microsoft.com/office/drawing/2010/main" w="9525">
+                <a14:hiddenLine xmlns:a14="http://schemas.microsoft.com/office/drawing/2010/main" xmlns="" w="9525">
                   <a:solidFill>
                     <a:srgbClr val="000000"/>
                   </a:solidFill>
@@ -2962,7 +2962,7 @@
             </a:ln>
             <a:extLst>
               <a:ext uri="{91240B29-F687-4f45-9708-019B960494DF}">
-                <a14:hiddenLine xmlns="" xmlns:a14="http://schemas.microsoft.com/office/drawing/2010/main" w="9525">
+                <a14:hiddenLine xmlns:a14="http://schemas.microsoft.com/office/drawing/2010/main" xmlns="" w="9525">
                   <a:solidFill>
                     <a:srgbClr val="000000"/>
                   </a:solidFill>
@@ -3052,7 +3052,7 @@
             </a:ln>
             <a:extLst>
               <a:ext uri="{91240B29-F687-4f45-9708-019B960494DF}">
-                <a14:hiddenLine xmlns="" xmlns:a14="http://schemas.microsoft.com/office/drawing/2010/main" w="9525">
+                <a14:hiddenLine xmlns:a14="http://schemas.microsoft.com/office/drawing/2010/main" xmlns="" w="9525">
                   <a:solidFill>
                     <a:srgbClr val="000000"/>
                   </a:solidFill>
@@ -3114,7 +3114,7 @@
             </a:ln>
             <a:extLst>
               <a:ext uri="{91240B29-F687-4f45-9708-019B960494DF}">
-                <a14:hiddenLine xmlns="" xmlns:a14="http://schemas.microsoft.com/office/drawing/2010/main" w="9525">
+                <a14:hiddenLine xmlns:a14="http://schemas.microsoft.com/office/drawing/2010/main" xmlns="" w="9525">
                   <a:solidFill>
                     <a:srgbClr val="000000"/>
                   </a:solidFill>
@@ -3204,7 +3204,7 @@
             </a:ln>
             <a:extLst>
               <a:ext uri="{91240B29-F687-4f45-9708-019B960494DF}">
-                <a14:hiddenLine xmlns="" xmlns:a14="http://schemas.microsoft.com/office/drawing/2010/main" w="9525">
+                <a14:hiddenLine xmlns:a14="http://schemas.microsoft.com/office/drawing/2010/main" xmlns="" w="9525">
                   <a:solidFill>
                     <a:srgbClr val="000000"/>
                   </a:solidFill>
@@ -3238,7 +3238,7 @@
             </a:ln>
             <a:extLst>
               <a:ext uri="{91240B29-F687-4f45-9708-019B960494DF}">
-                <a14:hiddenLine xmlns="" xmlns:a14="http://schemas.microsoft.com/office/drawing/2010/main" w="9525">
+                <a14:hiddenLine xmlns:a14="http://schemas.microsoft.com/office/drawing/2010/main" xmlns="" w="9525">
                   <a:solidFill>
                     <a:srgbClr val="000000"/>
                   </a:solidFill>
@@ -3303,7 +3303,7 @@
             </a:ln>
             <a:extLst>
               <a:ext uri="{91240B29-F687-4f45-9708-019B960494DF}">
-                <a14:hiddenLine xmlns="" xmlns:a14="http://schemas.microsoft.com/office/drawing/2010/main" w="9525">
+                <a14:hiddenLine xmlns:a14="http://schemas.microsoft.com/office/drawing/2010/main" xmlns="" w="9525">
                   <a:solidFill>
                     <a:srgbClr val="000000"/>
                   </a:solidFill>
@@ -3393,7 +3393,7 @@
             </a:ln>
             <a:extLst>
               <a:ext uri="{91240B29-F687-4f45-9708-019B960494DF}">
-                <a14:hiddenLine xmlns="" xmlns:a14="http://schemas.microsoft.com/office/drawing/2010/main" w="9525">
+                <a14:hiddenLine xmlns:a14="http://schemas.microsoft.com/office/drawing/2010/main" xmlns="" w="9525">
                   <a:solidFill>
                     <a:srgbClr val="000000"/>
                   </a:solidFill>
@@ -3455,7 +3455,7 @@
             </a:ln>
             <a:extLst>
               <a:ext uri="{91240B29-F687-4f45-9708-019B960494DF}">
-                <a14:hiddenLine xmlns="" xmlns:a14="http://schemas.microsoft.com/office/drawing/2010/main" w="9525">
+                <a14:hiddenLine xmlns:a14="http://schemas.microsoft.com/office/drawing/2010/main" xmlns="" w="9525">
                   <a:solidFill>
                     <a:srgbClr val="000000"/>
                   </a:solidFill>
@@ -3545,7 +3545,7 @@
             </a:ln>
             <a:extLst>
               <a:ext uri="{91240B29-F687-4f45-9708-019B960494DF}">
-                <a14:hiddenLine xmlns="" xmlns:a14="http://schemas.microsoft.com/office/drawing/2010/main" w="9525">
+                <a14:hiddenLine xmlns:a14="http://schemas.microsoft.com/office/drawing/2010/main" xmlns="" w="9525">
                   <a:solidFill>
                     <a:srgbClr val="000000"/>
                   </a:solidFill>
@@ -3635,7 +3635,7 @@
             </a:ln>
             <a:extLst>
               <a:ext uri="{91240B29-F687-4f45-9708-019B960494DF}">
-                <a14:hiddenLine xmlns="" xmlns:a14="http://schemas.microsoft.com/office/drawing/2010/main" w="9525">
+                <a14:hiddenLine xmlns:a14="http://schemas.microsoft.com/office/drawing/2010/main" xmlns="" w="9525">
                   <a:solidFill>
                     <a:srgbClr val="000000"/>
                   </a:solidFill>
@@ -3700,7 +3700,7 @@
             </a:ln>
             <a:extLst>
               <a:ext uri="{91240B29-F687-4f45-9708-019B960494DF}">
-                <a14:hiddenLine xmlns="" xmlns:a14="http://schemas.microsoft.com/office/drawing/2010/main" w="9525">
+                <a14:hiddenLine xmlns:a14="http://schemas.microsoft.com/office/drawing/2010/main" xmlns="" w="9525">
                   <a:solidFill>
                     <a:srgbClr val="000000"/>
                   </a:solidFill>
@@ -3762,7 +3762,7 @@
             </a:ln>
             <a:extLst>
               <a:ext uri="{91240B29-F687-4f45-9708-019B960494DF}">
-                <a14:hiddenLine xmlns="" xmlns:a14="http://schemas.microsoft.com/office/drawing/2010/main" w="9525">
+                <a14:hiddenLine xmlns:a14="http://schemas.microsoft.com/office/drawing/2010/main" xmlns="" w="9525">
                   <a:solidFill>
                     <a:srgbClr val="000000"/>
                   </a:solidFill>
@@ -3852,7 +3852,7 @@
             </a:ln>
             <a:extLst>
               <a:ext uri="{91240B29-F687-4f45-9708-019B960494DF}">
-                <a14:hiddenLine xmlns="" xmlns:a14="http://schemas.microsoft.com/office/drawing/2010/main" w="9525">
+                <a14:hiddenLine xmlns:a14="http://schemas.microsoft.com/office/drawing/2010/main" xmlns="" w="9525">
                   <a:solidFill>
                     <a:srgbClr val="000000"/>
                   </a:solidFill>
@@ -3942,7 +3942,7 @@
             </a:ln>
             <a:extLst>
               <a:ext uri="{91240B29-F687-4f45-9708-019B960494DF}">
-                <a14:hiddenLine xmlns="" xmlns:a14="http://schemas.microsoft.com/office/drawing/2010/main" w="9525">
+                <a14:hiddenLine xmlns:a14="http://schemas.microsoft.com/office/drawing/2010/main" xmlns="" w="9525">
                   <a:solidFill>
                     <a:srgbClr val="000000"/>
                   </a:solidFill>
@@ -4004,7 +4004,7 @@
             </a:ln>
             <a:extLst>
               <a:ext uri="{91240B29-F687-4f45-9708-019B960494DF}">
-                <a14:hiddenLine xmlns="" xmlns:a14="http://schemas.microsoft.com/office/drawing/2010/main" w="9525">
+                <a14:hiddenLine xmlns:a14="http://schemas.microsoft.com/office/drawing/2010/main" xmlns="" w="9525">
                   <a:solidFill>
                     <a:srgbClr val="000000"/>
                   </a:solidFill>
@@ -4124,7 +4124,7 @@
             </a:ln>
             <a:extLst>
               <a:ext uri="{91240B29-F687-4f45-9708-019B960494DF}">
-                <a14:hiddenLine xmlns="" xmlns:a14="http://schemas.microsoft.com/office/drawing/2010/main" w="9525">
+                <a14:hiddenLine xmlns:a14="http://schemas.microsoft.com/office/drawing/2010/main" xmlns="" w="9525">
                   <a:solidFill>
                     <a:srgbClr val="000000"/>
                   </a:solidFill>
@@ -4192,7 +4192,7 @@
             </a:ln>
             <a:extLst>
               <a:ext uri="{91240B29-F687-4f45-9708-019B960494DF}">
-                <a14:hiddenLine xmlns="" xmlns:a14="http://schemas.microsoft.com/office/drawing/2010/main" w="9525">
+                <a14:hiddenLine xmlns:a14="http://schemas.microsoft.com/office/drawing/2010/main" xmlns="" w="9525">
                   <a:solidFill>
                     <a:srgbClr val="000000"/>
                   </a:solidFill>
@@ -4282,7 +4282,7 @@
             </a:ln>
             <a:extLst>
               <a:ext uri="{91240B29-F687-4f45-9708-019B960494DF}">
-                <a14:hiddenLine xmlns="" xmlns:a14="http://schemas.microsoft.com/office/drawing/2010/main" w="9525">
+                <a14:hiddenLine xmlns:a14="http://schemas.microsoft.com/office/drawing/2010/main" xmlns="" w="9525">
                   <a:solidFill>
                     <a:srgbClr val="000000"/>
                   </a:solidFill>
@@ -9011,7 +9011,7 @@
           <a:noFill/>
           <a:extLst>
             <a:ext uri="{909E8E84-426E-40dd-AFC4-6F175D3DCCD1}">
-              <a14:hiddenFill xmlns="" xmlns:a14="http://schemas.microsoft.com/office/drawing/2010/main">
+              <a14:hiddenFill xmlns:a14="http://schemas.microsoft.com/office/drawing/2010/main" xmlns="">
                 <a:solidFill>
                   <a:srgbClr val="FFFFFF"/>
                 </a:solidFill>
@@ -9085,7 +9085,7 @@
               </a:ln>
               <a:extLst>
                 <a:ext uri="{91240B29-F687-4f45-9708-019B960494DF}">
-                  <a14:hiddenLine xmlns="" xmlns:a14="http://schemas.microsoft.com/office/drawing/2010/main" w="9525">
+                  <a14:hiddenLine xmlns:a14="http://schemas.microsoft.com/office/drawing/2010/main" xmlns="" w="9525">
                     <a:solidFill>
                       <a:srgbClr val="000000"/>
                     </a:solidFill>
@@ -9175,7 +9175,7 @@
               </a:ln>
               <a:extLst>
                 <a:ext uri="{91240B29-F687-4f45-9708-019B960494DF}">
-                  <a14:hiddenLine xmlns="" xmlns:a14="http://schemas.microsoft.com/office/drawing/2010/main" w="9525">
+                  <a14:hiddenLine xmlns:a14="http://schemas.microsoft.com/office/drawing/2010/main" xmlns="" w="9525">
                     <a:solidFill>
                       <a:srgbClr val="000000"/>
                     </a:solidFill>
@@ -9265,7 +9265,7 @@
               </a:ln>
               <a:extLst>
                 <a:ext uri="{91240B29-F687-4f45-9708-019B960494DF}">
-                  <a14:hiddenLine xmlns="" xmlns:a14="http://schemas.microsoft.com/office/drawing/2010/main" w="9525">
+                  <a14:hiddenLine xmlns:a14="http://schemas.microsoft.com/office/drawing/2010/main" xmlns="" w="9525">
                     <a:solidFill>
                       <a:srgbClr val="000000"/>
                     </a:solidFill>
@@ -9327,7 +9327,7 @@
               </a:ln>
               <a:extLst>
                 <a:ext uri="{91240B29-F687-4f45-9708-019B960494DF}">
-                  <a14:hiddenLine xmlns="" xmlns:a14="http://schemas.microsoft.com/office/drawing/2010/main" w="9525">
+                  <a14:hiddenLine xmlns:a14="http://schemas.microsoft.com/office/drawing/2010/main" xmlns="" w="9525">
                     <a:solidFill>
                       <a:srgbClr val="000000"/>
                     </a:solidFill>
@@ -9417,7 +9417,7 @@
               </a:ln>
               <a:extLst>
                 <a:ext uri="{91240B29-F687-4f45-9708-019B960494DF}">
-                  <a14:hiddenLine xmlns="" xmlns:a14="http://schemas.microsoft.com/office/drawing/2010/main" w="9525">
+                  <a14:hiddenLine xmlns:a14="http://schemas.microsoft.com/office/drawing/2010/main" xmlns="" w="9525">
                     <a:solidFill>
                       <a:srgbClr val="000000"/>
                     </a:solidFill>
@@ -9479,7 +9479,7 @@
               </a:ln>
               <a:extLst>
                 <a:ext uri="{91240B29-F687-4f45-9708-019B960494DF}">
-                  <a14:hiddenLine xmlns="" xmlns:a14="http://schemas.microsoft.com/office/drawing/2010/main" w="9525">
+                  <a14:hiddenLine xmlns:a14="http://schemas.microsoft.com/office/drawing/2010/main" xmlns="" w="9525">
                     <a:solidFill>
                       <a:srgbClr val="000000"/>
                     </a:solidFill>
@@ -9541,7 +9541,7 @@
               </a:ln>
               <a:extLst>
                 <a:ext uri="{91240B29-F687-4f45-9708-019B960494DF}">
-                  <a14:hiddenLine xmlns="" xmlns:a14="http://schemas.microsoft.com/office/drawing/2010/main" w="9525">
+                  <a14:hiddenLine xmlns:a14="http://schemas.microsoft.com/office/drawing/2010/main" xmlns="" w="9525">
                     <a:solidFill>
                       <a:srgbClr val="000000"/>
                     </a:solidFill>
@@ -9631,7 +9631,7 @@
               </a:ln>
               <a:extLst>
                 <a:ext uri="{91240B29-F687-4f45-9708-019B960494DF}">
-                  <a14:hiddenLine xmlns="" xmlns:a14="http://schemas.microsoft.com/office/drawing/2010/main" w="9525">
+                  <a14:hiddenLine xmlns:a14="http://schemas.microsoft.com/office/drawing/2010/main" xmlns="" w="9525">
                     <a:solidFill>
                       <a:srgbClr val="000000"/>
                     </a:solidFill>
@@ -9721,7 +9721,7 @@
               </a:ln>
               <a:extLst>
                 <a:ext uri="{91240B29-F687-4f45-9708-019B960494DF}">
-                  <a14:hiddenLine xmlns="" xmlns:a14="http://schemas.microsoft.com/office/drawing/2010/main" w="9525">
+                  <a14:hiddenLine xmlns:a14="http://schemas.microsoft.com/office/drawing/2010/main" xmlns="" w="9525">
                     <a:solidFill>
                       <a:srgbClr val="000000"/>
                     </a:solidFill>
@@ -9783,7 +9783,7 @@
               </a:ln>
               <a:extLst>
                 <a:ext uri="{91240B29-F687-4f45-9708-019B960494DF}">
-                  <a14:hiddenLine xmlns="" xmlns:a14="http://schemas.microsoft.com/office/drawing/2010/main" w="9525">
+                  <a14:hiddenLine xmlns:a14="http://schemas.microsoft.com/office/drawing/2010/main" xmlns="" w="9525">
                     <a:solidFill>
                       <a:srgbClr val="000000"/>
                     </a:solidFill>
@@ -9893,7 +9893,7 @@
               </a:ln>
               <a:extLst>
                 <a:ext uri="{91240B29-F687-4f45-9708-019B960494DF}">
-                  <a14:hiddenLine xmlns="" xmlns:a14="http://schemas.microsoft.com/office/drawing/2010/main" w="9525">
+                  <a14:hiddenLine xmlns:a14="http://schemas.microsoft.com/office/drawing/2010/main" xmlns="" w="9525">
                     <a:solidFill>
                       <a:srgbClr val="000000"/>
                     </a:solidFill>
@@ -9977,7 +9977,7 @@
               </a:ln>
               <a:extLst>
                 <a:ext uri="{91240B29-F687-4f45-9708-019B960494DF}">
-                  <a14:hiddenLine xmlns="" xmlns:a14="http://schemas.microsoft.com/office/drawing/2010/main" w="9525">
+                  <a14:hiddenLine xmlns:a14="http://schemas.microsoft.com/office/drawing/2010/main" xmlns="" w="9525">
                     <a:solidFill>
                       <a:srgbClr val="000000"/>
                     </a:solidFill>
@@ -10039,7 +10039,7 @@
               </a:ln>
               <a:extLst>
                 <a:ext uri="{91240B29-F687-4f45-9708-019B960494DF}">
-                  <a14:hiddenLine xmlns="" xmlns:a14="http://schemas.microsoft.com/office/drawing/2010/main" w="9525">
+                  <a14:hiddenLine xmlns:a14="http://schemas.microsoft.com/office/drawing/2010/main" xmlns="" w="9525">
                     <a:solidFill>
                       <a:srgbClr val="000000"/>
                     </a:solidFill>
@@ -10101,7 +10101,7 @@
               </a:ln>
               <a:extLst>
                 <a:ext uri="{91240B29-F687-4f45-9708-019B960494DF}">
-                  <a14:hiddenLine xmlns="" xmlns:a14="http://schemas.microsoft.com/office/drawing/2010/main" w="9525">
+                  <a14:hiddenLine xmlns:a14="http://schemas.microsoft.com/office/drawing/2010/main" xmlns="" w="9525">
                     <a:solidFill>
                       <a:srgbClr val="000000"/>
                     </a:solidFill>
@@ -10191,7 +10191,7 @@
               </a:ln>
               <a:extLst>
                 <a:ext uri="{91240B29-F687-4f45-9708-019B960494DF}">
-                  <a14:hiddenLine xmlns="" xmlns:a14="http://schemas.microsoft.com/office/drawing/2010/main" w="9525">
+                  <a14:hiddenLine xmlns:a14="http://schemas.microsoft.com/office/drawing/2010/main" xmlns="" w="9525">
                     <a:solidFill>
                       <a:srgbClr val="000000"/>
                     </a:solidFill>
@@ -10225,7 +10225,7 @@
               </a:ln>
               <a:extLst>
                 <a:ext uri="{91240B29-F687-4f45-9708-019B960494DF}">
-                  <a14:hiddenLine xmlns="" xmlns:a14="http://schemas.microsoft.com/office/drawing/2010/main" w="9525">
+                  <a14:hiddenLine xmlns:a14="http://schemas.microsoft.com/office/drawing/2010/main" xmlns="" w="9525">
                     <a:solidFill>
                       <a:srgbClr val="000000"/>
                     </a:solidFill>
@@ -10290,7 +10290,7 @@
               </a:ln>
               <a:extLst>
                 <a:ext uri="{91240B29-F687-4f45-9708-019B960494DF}">
-                  <a14:hiddenLine xmlns="" xmlns:a14="http://schemas.microsoft.com/office/drawing/2010/main" w="9525">
+                  <a14:hiddenLine xmlns:a14="http://schemas.microsoft.com/office/drawing/2010/main" xmlns="" w="9525">
                     <a:solidFill>
                       <a:srgbClr val="000000"/>
                     </a:solidFill>
@@ -10380,7 +10380,7 @@
               </a:ln>
               <a:extLst>
                 <a:ext uri="{91240B29-F687-4f45-9708-019B960494DF}">
-                  <a14:hiddenLine xmlns="" xmlns:a14="http://schemas.microsoft.com/office/drawing/2010/main" w="9525">
+                  <a14:hiddenLine xmlns:a14="http://schemas.microsoft.com/office/drawing/2010/main" xmlns="" w="9525">
                     <a:solidFill>
                       <a:srgbClr val="000000"/>
                     </a:solidFill>
@@ -10442,7 +10442,7 @@
               </a:ln>
               <a:extLst>
                 <a:ext uri="{91240B29-F687-4f45-9708-019B960494DF}">
-                  <a14:hiddenLine xmlns="" xmlns:a14="http://schemas.microsoft.com/office/drawing/2010/main" w="9525">
+                  <a14:hiddenLine xmlns:a14="http://schemas.microsoft.com/office/drawing/2010/main" xmlns="" w="9525">
                     <a:solidFill>
                       <a:srgbClr val="000000"/>
                     </a:solidFill>
@@ -10532,7 +10532,7 @@
               </a:ln>
               <a:extLst>
                 <a:ext uri="{91240B29-F687-4f45-9708-019B960494DF}">
-                  <a14:hiddenLine xmlns="" xmlns:a14="http://schemas.microsoft.com/office/drawing/2010/main" w="9525">
+                  <a14:hiddenLine xmlns:a14="http://schemas.microsoft.com/office/drawing/2010/main" xmlns="" w="9525">
                     <a:solidFill>
                       <a:srgbClr val="000000"/>
                     </a:solidFill>
@@ -10597,7 +10597,7 @@
               </a:ln>
               <a:extLst>
                 <a:ext uri="{91240B29-F687-4f45-9708-019B960494DF}">
-                  <a14:hiddenLine xmlns="" xmlns:a14="http://schemas.microsoft.com/office/drawing/2010/main" w="9525">
+                  <a14:hiddenLine xmlns:a14="http://schemas.microsoft.com/office/drawing/2010/main" xmlns="" w="9525">
                     <a:solidFill>
                       <a:srgbClr val="000000"/>
                     </a:solidFill>
@@ -10659,7 +10659,7 @@
               </a:ln>
               <a:extLst>
                 <a:ext uri="{91240B29-F687-4f45-9708-019B960494DF}">
-                  <a14:hiddenLine xmlns="" xmlns:a14="http://schemas.microsoft.com/office/drawing/2010/main" w="9525">
+                  <a14:hiddenLine xmlns:a14="http://schemas.microsoft.com/office/drawing/2010/main" xmlns="" w="9525">
                     <a:solidFill>
                       <a:srgbClr val="000000"/>
                     </a:solidFill>
@@ -10749,7 +10749,7 @@
               </a:ln>
               <a:extLst>
                 <a:ext uri="{91240B29-F687-4f45-9708-019B960494DF}">
-                  <a14:hiddenLine xmlns="" xmlns:a14="http://schemas.microsoft.com/office/drawing/2010/main" w="9525">
+                  <a14:hiddenLine xmlns:a14="http://schemas.microsoft.com/office/drawing/2010/main" xmlns="" w="9525">
                     <a:solidFill>
                       <a:srgbClr val="000000"/>
                     </a:solidFill>
@@ -10839,7 +10839,7 @@
               </a:ln>
               <a:extLst>
                 <a:ext uri="{91240B29-F687-4f45-9708-019B960494DF}">
-                  <a14:hiddenLine xmlns="" xmlns:a14="http://schemas.microsoft.com/office/drawing/2010/main" w="9525">
+                  <a14:hiddenLine xmlns:a14="http://schemas.microsoft.com/office/drawing/2010/main" xmlns="" w="9525">
                     <a:solidFill>
                       <a:srgbClr val="000000"/>
                     </a:solidFill>
@@ -10904,7 +10904,7 @@
               </a:ln>
               <a:extLst>
                 <a:ext uri="{91240B29-F687-4f45-9708-019B960494DF}">
-                  <a14:hiddenLine xmlns="" xmlns:a14="http://schemas.microsoft.com/office/drawing/2010/main" w="9525">
+                  <a14:hiddenLine xmlns:a14="http://schemas.microsoft.com/office/drawing/2010/main" xmlns="" w="9525">
                     <a:solidFill>
                       <a:srgbClr val="000000"/>
                     </a:solidFill>
@@ -11024,7 +11024,7 @@
               </a:ln>
               <a:extLst>
                 <a:ext uri="{91240B29-F687-4f45-9708-019B960494DF}">
-                  <a14:hiddenLine xmlns="" xmlns:a14="http://schemas.microsoft.com/office/drawing/2010/main" w="9525">
+                  <a14:hiddenLine xmlns:a14="http://schemas.microsoft.com/office/drawing/2010/main" xmlns="" w="9525">
                     <a:solidFill>
                       <a:srgbClr val="000000"/>
                     </a:solidFill>
@@ -11105,7 +11105,7 @@
               </a:ln>
               <a:extLst>
                 <a:ext uri="{91240B29-F687-4f45-9708-019B960494DF}">
-                  <a14:hiddenLine xmlns="" xmlns:a14="http://schemas.microsoft.com/office/drawing/2010/main" w="9525">
+                  <a14:hiddenLine xmlns:a14="http://schemas.microsoft.com/office/drawing/2010/main" xmlns="" w="9525">
                     <a:solidFill>
                       <a:srgbClr val="000000"/>
                     </a:solidFill>
@@ -11220,7 +11220,7 @@
               </a:ln>
               <a:extLst>
                 <a:ext uri="{91240B29-F687-4f45-9708-019B960494DF}">
-                  <a14:hiddenLine xmlns="" xmlns:a14="http://schemas.microsoft.com/office/drawing/2010/main" w="9525">
+                  <a14:hiddenLine xmlns:a14="http://schemas.microsoft.com/office/drawing/2010/main" xmlns="" w="9525">
                     <a:solidFill>
                       <a:srgbClr val="000000"/>
                     </a:solidFill>
@@ -11310,7 +11310,7 @@
               </a:ln>
               <a:extLst>
                 <a:ext uri="{91240B29-F687-4f45-9708-019B960494DF}">
-                  <a14:hiddenLine xmlns="" xmlns:a14="http://schemas.microsoft.com/office/drawing/2010/main" w="9525">
+                  <a14:hiddenLine xmlns:a14="http://schemas.microsoft.com/office/drawing/2010/main" xmlns="" w="9525">
                     <a:solidFill>
                       <a:srgbClr val="000000"/>
                     </a:solidFill>
@@ -11375,7 +11375,7 @@
               </a:ln>
               <a:extLst>
                 <a:ext uri="{91240B29-F687-4f45-9708-019B960494DF}">
-                  <a14:hiddenLine xmlns="" xmlns:a14="http://schemas.microsoft.com/office/drawing/2010/main" w="9525">
+                  <a14:hiddenLine xmlns:a14="http://schemas.microsoft.com/office/drawing/2010/main" xmlns="" w="9525">
                     <a:solidFill>
                       <a:srgbClr val="000000"/>
                     </a:solidFill>
@@ -11465,7 +11465,7 @@
               </a:ln>
               <a:extLst>
                 <a:ext uri="{91240B29-F687-4f45-9708-019B960494DF}">
-                  <a14:hiddenLine xmlns="" xmlns:a14="http://schemas.microsoft.com/office/drawing/2010/main" w="9525">
+                  <a14:hiddenLine xmlns:a14="http://schemas.microsoft.com/office/drawing/2010/main" xmlns="" w="9525">
                     <a:solidFill>
                       <a:srgbClr val="000000"/>
                     </a:solidFill>
@@ -11533,7 +11533,7 @@
               </a:ln>
               <a:extLst>
                 <a:ext uri="{91240B29-F687-4f45-9708-019B960494DF}">
-                  <a14:hiddenLine xmlns="" xmlns:a14="http://schemas.microsoft.com/office/drawing/2010/main" w="9525">
+                  <a14:hiddenLine xmlns:a14="http://schemas.microsoft.com/office/drawing/2010/main" xmlns="" w="9525">
                     <a:solidFill>
                       <a:srgbClr val="000000"/>
                     </a:solidFill>
@@ -11623,7 +11623,7 @@
               </a:ln>
               <a:extLst>
                 <a:ext uri="{91240B29-F687-4f45-9708-019B960494DF}">
-                  <a14:hiddenLine xmlns="" xmlns:a14="http://schemas.microsoft.com/office/drawing/2010/main" w="9525">
+                  <a14:hiddenLine xmlns:a14="http://schemas.microsoft.com/office/drawing/2010/main" xmlns="" w="9525">
                     <a:solidFill>
                       <a:srgbClr val="000000"/>
                     </a:solidFill>
@@ -11691,7 +11691,7 @@
               </a:ln>
               <a:extLst>
                 <a:ext uri="{91240B29-F687-4f45-9708-019B960494DF}">
-                  <a14:hiddenLine xmlns="" xmlns:a14="http://schemas.microsoft.com/office/drawing/2010/main" w="9525">
+                  <a14:hiddenLine xmlns:a14="http://schemas.microsoft.com/office/drawing/2010/main" xmlns="" w="9525">
                     <a:solidFill>
                       <a:srgbClr val="000000"/>
                     </a:solidFill>
@@ -11781,7 +11781,7 @@
               </a:ln>
               <a:extLst>
                 <a:ext uri="{91240B29-F687-4f45-9708-019B960494DF}">
-                  <a14:hiddenLine xmlns="" xmlns:a14="http://schemas.microsoft.com/office/drawing/2010/main" w="9525">
+                  <a14:hiddenLine xmlns:a14="http://schemas.microsoft.com/office/drawing/2010/main" xmlns="" w="9525">
                     <a:solidFill>
                       <a:srgbClr val="000000"/>
                     </a:solidFill>
@@ -11815,7 +11815,7 @@
               </a:ln>
               <a:extLst>
                 <a:ext uri="{91240B29-F687-4f45-9708-019B960494DF}">
-                  <a14:hiddenLine xmlns="" xmlns:a14="http://schemas.microsoft.com/office/drawing/2010/main" w="9525">
+                  <a14:hiddenLine xmlns:a14="http://schemas.microsoft.com/office/drawing/2010/main" xmlns="" w="9525">
                     <a:solidFill>
                       <a:srgbClr val="000000"/>
                     </a:solidFill>
@@ -12429,13 +12429,21 @@
           <a:lstStyle/>
           <a:p>
             <a:r>
-              <a:rPr lang="pt-BR" dirty="0"/>
+              <a:rPr lang="pt-BR" dirty="0">
+                <a:solidFill>
+                  <a:srgbClr val="FFFF00"/>
+                </a:solidFill>
+              </a:rPr>
               <a:t>Nádio dib – eng. Software</a:t>
             </a:r>
           </a:p>
           <a:p>
             <a:r>
-              <a:rPr lang="pt-BR" dirty="0"/>
+              <a:rPr lang="pt-BR" dirty="0">
+                <a:solidFill>
+                  <a:srgbClr val="FFFF00"/>
+                </a:solidFill>
+              </a:rPr>
               <a:t>uniprojeção</a:t>
             </a:r>
           </a:p>
